--- a/apresentacoes/Aula5/Etapa4.pptx
+++ b/apresentacoes/Aula5/Etapa4.pptx
@@ -6,38 +6,37 @@
     <p:sldMasterId id="2147483655" r:id="rId2"/>
   </p:sldMasterIdLst>
   <p:notesMasterIdLst>
-    <p:notesMasterId r:id="rId8"/>
+    <p:notesMasterId r:id="rId7"/>
   </p:notesMasterIdLst>
   <p:sldIdLst>
     <p:sldId id="258" r:id="rId3"/>
     <p:sldId id="273" r:id="rId4"/>
     <p:sldId id="282" r:id="rId5"/>
     <p:sldId id="262" r:id="rId6"/>
-    <p:sldId id="276" r:id="rId7"/>
   </p:sldIdLst>
   <p:sldSz cx="9144000" cy="5143500" type="screen16x9"/>
   <p:notesSz cx="6858000" cy="9144000"/>
   <p:embeddedFontLst>
     <p:embeddedFont>
       <p:font typeface="Calibri" panose="020F0502020204030204" pitchFamily="34" charset="0"/>
-      <p:regular r:id="rId9"/>
-      <p:bold r:id="rId10"/>
-      <p:italic r:id="rId11"/>
-      <p:boldItalic r:id="rId12"/>
+      <p:regular r:id="rId8"/>
+      <p:bold r:id="rId9"/>
+      <p:italic r:id="rId10"/>
+      <p:boldItalic r:id="rId11"/>
     </p:embeddedFont>
     <p:embeddedFont>
       <p:font typeface="Century Gothic" panose="020B0502020202020204" pitchFamily="34" charset="0"/>
-      <p:regular r:id="rId13"/>
-      <p:bold r:id="rId14"/>
-      <p:italic r:id="rId15"/>
-      <p:boldItalic r:id="rId16"/>
+      <p:regular r:id="rId12"/>
+      <p:bold r:id="rId13"/>
+      <p:italic r:id="rId14"/>
+      <p:boldItalic r:id="rId15"/>
     </p:embeddedFont>
     <p:embeddedFont>
       <p:font typeface="Proxima Nova" panose="020B0604020202020204" charset="0"/>
-      <p:regular r:id="rId17"/>
-      <p:bold r:id="rId18"/>
-      <p:italic r:id="rId19"/>
-      <p:boldItalic r:id="rId20"/>
+      <p:regular r:id="rId16"/>
+      <p:bold r:id="rId17"/>
+      <p:italic r:id="rId18"/>
+      <p:boldItalic r:id="rId19"/>
     </p:embeddedFont>
   </p:embeddedFontLst>
   <p:defaultTextStyle>
@@ -1376,137 +1375,6 @@
         </p:txBody>
       </p:sp>
     </p:spTree>
-  </p:cSld>
-  <p:clrMapOvr>
-    <a:masterClrMapping/>
-  </p:clrMapOvr>
-</p:notes>
-</file>
-
-<file path=ppt/notesSlides/notesSlide5.xml><?xml version="1.0" encoding="utf-8"?>
-<p:notes xmlns:a="http://schemas.openxmlformats.org/drawingml/2006/main" xmlns:r="http://schemas.openxmlformats.org/officeDocument/2006/relationships" xmlns:p="http://schemas.openxmlformats.org/presentationml/2006/main" showMasterSp="0" showMasterPhAnim="0">
-  <p:cSld>
-    <p:spTree>
-      <p:nvGrpSpPr>
-        <p:cNvPr id="1" name="Shape 132"/>
-        <p:cNvGrpSpPr/>
-        <p:nvPr/>
-      </p:nvGrpSpPr>
-      <p:grpSpPr>
-        <a:xfrm>
-          <a:off x="0" y="0"/>
-          <a:ext cx="0" cy="0"/>
-          <a:chOff x="0" y="0"/>
-          <a:chExt cx="0" cy="0"/>
-        </a:xfrm>
-      </p:grpSpPr>
-      <p:sp>
-        <p:nvSpPr>
-          <p:cNvPr id="133" name="Google Shape;133;p16:notes"/>
-          <p:cNvSpPr>
-            <a:spLocks noGrp="1" noRot="1" noChangeAspect="1"/>
-          </p:cNvSpPr>
-          <p:nvPr>
-            <p:ph type="sldImg" idx="2"/>
-          </p:nvPr>
-        </p:nvSpPr>
-        <p:spPr>
-          <a:xfrm>
-            <a:off x="381000" y="685800"/>
-            <a:ext cx="6096000" cy="3429000"/>
-          </a:xfrm>
-          <a:custGeom>
-            <a:avLst/>
-            <a:gdLst/>
-            <a:ahLst/>
-            <a:cxnLst/>
-            <a:rect l="l" t="t" r="r" b="b"/>
-            <a:pathLst>
-              <a:path w="120000" h="120000" extrusionOk="0">
-                <a:moveTo>
-                  <a:pt x="0" y="0"/>
-                </a:moveTo>
-                <a:lnTo>
-                  <a:pt x="120000" y="0"/>
-                </a:lnTo>
-                <a:lnTo>
-                  <a:pt x="120000" y="120000"/>
-                </a:lnTo>
-                <a:lnTo>
-                  <a:pt x="0" y="120000"/>
-                </a:lnTo>
-                <a:close/>
-              </a:path>
-            </a:pathLst>
-          </a:custGeom>
-          <a:noFill/>
-          <a:ln w="9525" cap="flat" cmpd="sng">
-            <a:solidFill>
-              <a:srgbClr val="000000"/>
-            </a:solidFill>
-            <a:prstDash val="solid"/>
-            <a:round/>
-            <a:headEnd type="none" w="sm" len="sm"/>
-            <a:tailEnd type="none" w="sm" len="sm"/>
-          </a:ln>
-        </p:spPr>
-      </p:sp>
-      <p:sp>
-        <p:nvSpPr>
-          <p:cNvPr id="134" name="Google Shape;134;p16:notes"/>
-          <p:cNvSpPr txBox="1">
-            <a:spLocks noGrp="1"/>
-          </p:cNvSpPr>
-          <p:nvPr>
-            <p:ph type="body" idx="1"/>
-          </p:nvPr>
-        </p:nvSpPr>
-        <p:spPr>
-          <a:xfrm>
-            <a:off x="685800" y="4343400"/>
-            <a:ext cx="5486400" cy="4114800"/>
-          </a:xfrm>
-          <a:prstGeom prst="rect">
-            <a:avLst/>
-          </a:prstGeom>
-          <a:noFill/>
-          <a:ln>
-            <a:noFill/>
-          </a:ln>
-        </p:spPr>
-        <p:txBody>
-          <a:bodyPr spcFirstLastPara="1" wrap="square" lIns="91425" tIns="91425" rIns="91425" bIns="91425" anchor="t" anchorCtr="0">
-            <a:noAutofit/>
-          </a:bodyPr>
-          <a:lstStyle/>
-          <a:p>
-            <a:pPr marL="0" lvl="0" indent="0" algn="l" rtl="0">
-              <a:lnSpc>
-                <a:spcPct val="100000"/>
-              </a:lnSpc>
-              <a:spcBef>
-                <a:spcPts val="0"/>
-              </a:spcBef>
-              <a:spcAft>
-                <a:spcPts val="0"/>
-              </a:spcAft>
-              <a:buClr>
-                <a:schemeClr val="dk1"/>
-              </a:buClr>
-              <a:buSzPts val="1100"/>
-              <a:buFont typeface="Arial"/>
-              <a:buNone/>
-            </a:pPr>
-            <a:endParaRPr/>
-          </a:p>
-        </p:txBody>
-      </p:sp>
-    </p:spTree>
-    <p:extLst>
-      <p:ext uri="{BB962C8B-B14F-4D97-AF65-F5344CB8AC3E}">
-        <p14:creationId xmlns:p14="http://schemas.microsoft.com/office/powerpoint/2010/main" val="159474884"/>
-      </p:ext>
-    </p:extLst>
   </p:cSld>
   <p:clrMapOvr>
     <a:masterClrMapping/>
@@ -21000,7 +20868,7 @@
         <p:spPr>
           <a:xfrm>
             <a:off x="465750" y="2992332"/>
-            <a:ext cx="8290350" cy="1134083"/>
+            <a:ext cx="8290350" cy="1601970"/>
           </a:xfrm>
           <a:prstGeom prst="rect">
             <a:avLst/>
@@ -21032,7 +20900,7 @@
                 <a:cs typeface="Century Gothic"/>
                 <a:sym typeface="Century Gothic"/>
               </a:rPr>
-              <a:t>Utilização da classe </a:t>
+              <a:t>Implementação da classe </a:t>
             </a:r>
             <a:r>
               <a:rPr lang="pt-BR" sz="3600" dirty="0" err="1">
@@ -21045,6 +20913,83 @@
                 <a:sym typeface="Century Gothic"/>
               </a:rPr>
               <a:t>ListaDuplamenteEncadeada</a:t>
+            </a:r>
+            <a:endParaRPr lang="pt-BR" sz="3600" dirty="0">
+              <a:solidFill>
+                <a:srgbClr val="F78321"/>
+              </a:solidFill>
+              <a:latin typeface="Century Gothic"/>
+              <a:ea typeface="Century Gothic"/>
+              <a:cs typeface="Century Gothic"/>
+              <a:sym typeface="Century Gothic"/>
+            </a:endParaRPr>
+          </a:p>
+          <a:p>
+            <a:pPr lvl="0">
+              <a:buClr>
+                <a:schemeClr val="dk1"/>
+              </a:buClr>
+              <a:buSzPts val="1100"/>
+            </a:pPr>
+            <a:r>
+              <a:rPr lang="pt-BR" sz="3600" dirty="0">
+                <a:solidFill>
+                  <a:srgbClr val="F78321"/>
+                </a:solidFill>
+                <a:latin typeface="Century Gothic"/>
+                <a:ea typeface="Century Gothic"/>
+                <a:cs typeface="Century Gothic"/>
+                <a:sym typeface="Century Gothic"/>
+              </a:rPr>
+              <a:t>Métodos </a:t>
+            </a:r>
+            <a:r>
+              <a:rPr lang="pt-BR" sz="3600" dirty="0" err="1">
+                <a:solidFill>
+                  <a:srgbClr val="F78321"/>
+                </a:solidFill>
+                <a:latin typeface="Century Gothic"/>
+                <a:ea typeface="Century Gothic"/>
+                <a:cs typeface="Century Gothic"/>
+                <a:sym typeface="Century Gothic"/>
+              </a:rPr>
+              <a:t>getNo</a:t>
+            </a:r>
+            <a:r>
+              <a:rPr lang="pt-BR" sz="3600" dirty="0">
+                <a:solidFill>
+                  <a:srgbClr val="F78321"/>
+                </a:solidFill>
+                <a:latin typeface="Century Gothic"/>
+                <a:ea typeface="Century Gothic"/>
+                <a:cs typeface="Century Gothic"/>
+                <a:sym typeface="Century Gothic"/>
+              </a:rPr>
+              <a:t>() e </a:t>
+            </a:r>
+            <a:r>
+              <a:rPr lang="pt-BR" sz="3600" dirty="0" err="1">
+                <a:solidFill>
+                  <a:srgbClr val="F78321"/>
+                </a:solidFill>
+                <a:latin typeface="Century Gothic"/>
+                <a:ea typeface="Century Gothic"/>
+                <a:cs typeface="Century Gothic"/>
+                <a:sym typeface="Century Gothic"/>
+              </a:rPr>
+              <a:t>get</a:t>
+            </a:r>
+            <a:r>
+              <a:rPr lang="pt-BR" sz="3600">
+                <a:solidFill>
+                  <a:srgbClr val="F78321"/>
+                </a:solidFill>
+                <a:latin typeface="Century Gothic"/>
+                <a:ea typeface="Century Gothic"/>
+                <a:cs typeface="Century Gothic"/>
+                <a:sym typeface="Century Gothic"/>
+              </a:rPr>
+              <a:t>()</a:t>
             </a:r>
             <a:endParaRPr lang="pt-BR" sz="3600" dirty="0">
               <a:solidFill>
@@ -22492,7 +22437,7 @@
         </p:blipFill>
         <p:spPr>
           <a:xfrm>
-            <a:off x="7196362" y="108548"/>
+            <a:off x="7196362" y="86250"/>
             <a:ext cx="1938293" cy="2349447"/>
           </a:xfrm>
           <a:prstGeom prst="rect">
@@ -22596,286 +22541,6 @@
       </p:par>
     </p:tnLst>
   </p:timing>
-</p:sld>
-</file>
-
-<file path=ppt/slides/slide5.xml><?xml version="1.0" encoding="utf-8"?>
-<p:sld xmlns:a="http://schemas.openxmlformats.org/drawingml/2006/main" xmlns:r="http://schemas.openxmlformats.org/officeDocument/2006/relationships" xmlns:p="http://schemas.openxmlformats.org/presentationml/2006/main">
-  <p:cSld>
-    <p:spTree>
-      <p:nvGrpSpPr>
-        <p:cNvPr id="1" name="Shape 135"/>
-        <p:cNvGrpSpPr/>
-        <p:nvPr/>
-      </p:nvGrpSpPr>
-      <p:grpSpPr>
-        <a:xfrm>
-          <a:off x="0" y="0"/>
-          <a:ext cx="0" cy="0"/>
-          <a:chOff x="0" y="0"/>
-          <a:chExt cx="0" cy="0"/>
-        </a:xfrm>
-      </p:grpSpPr>
-      <p:sp>
-        <p:nvSpPr>
-          <p:cNvPr id="136" name="Google Shape;136;p16"/>
-          <p:cNvSpPr txBox="1">
-            <a:spLocks noGrp="1"/>
-          </p:cNvSpPr>
-          <p:nvPr>
-            <p:ph type="subTitle" idx="1"/>
-          </p:nvPr>
-        </p:nvSpPr>
-        <p:spPr>
-          <a:xfrm>
-            <a:off x="1643102" y="243014"/>
-            <a:ext cx="6924596" cy="591300"/>
-          </a:xfrm>
-          <a:prstGeom prst="rect">
-            <a:avLst/>
-          </a:prstGeom>
-          <a:noFill/>
-          <a:ln>
-            <a:noFill/>
-          </a:ln>
-        </p:spPr>
-        <p:txBody>
-          <a:bodyPr spcFirstLastPara="1" wrap="square" lIns="91425" tIns="91425" rIns="91425" bIns="91425" anchor="ctr" anchorCtr="0">
-            <a:noAutofit/>
-          </a:bodyPr>
-          <a:lstStyle/>
-          <a:p>
-            <a:pPr marL="0" lvl="0" indent="0" algn="ctr" rtl="0">
-              <a:lnSpc>
-                <a:spcPct val="100000"/>
-              </a:lnSpc>
-              <a:spcBef>
-                <a:spcPts val="0"/>
-              </a:spcBef>
-              <a:spcAft>
-                <a:spcPts val="0"/>
-              </a:spcAft>
-              <a:buClr>
-                <a:schemeClr val="dk1"/>
-              </a:buClr>
-              <a:buSzPts val="1100"/>
-              <a:buFont typeface="Arial"/>
-              <a:buNone/>
-            </a:pPr>
-            <a:r>
-              <a:rPr lang="pt-BR" sz="4000" b="1" dirty="0">
-                <a:solidFill>
-                  <a:srgbClr val="073763"/>
-                </a:solidFill>
-                <a:latin typeface="Century Gothic"/>
-                <a:ea typeface="Century Gothic"/>
-                <a:cs typeface="Century Gothic"/>
-                <a:sym typeface="Century Gothic"/>
-              </a:rPr>
-              <a:t>Vamos Implementar?</a:t>
-            </a:r>
-            <a:endParaRPr sz="4000" b="1" dirty="0">
-              <a:solidFill>
-                <a:srgbClr val="073763"/>
-              </a:solidFill>
-              <a:latin typeface="Century Gothic"/>
-              <a:ea typeface="Century Gothic"/>
-              <a:cs typeface="Century Gothic"/>
-              <a:sym typeface="Century Gothic"/>
-            </a:endParaRPr>
-          </a:p>
-        </p:txBody>
-      </p:sp>
-      <p:pic>
-        <p:nvPicPr>
-          <p:cNvPr id="137" name="Google Shape;137;p16"/>
-          <p:cNvPicPr preferRelativeResize="0"/>
-          <p:nvPr/>
-        </p:nvPicPr>
-        <p:blipFill rotWithShape="1">
-          <a:blip r:embed="rId3">
-            <a:alphaModFix/>
-          </a:blip>
-          <a:srcRect/>
-          <a:stretch/>
-        </p:blipFill>
-        <p:spPr>
-          <a:xfrm>
-            <a:off x="311700" y="243014"/>
-            <a:ext cx="1698849" cy="591351"/>
-          </a:xfrm>
-          <a:prstGeom prst="rect">
-            <a:avLst/>
-          </a:prstGeom>
-          <a:noFill/>
-          <a:ln>
-            <a:noFill/>
-          </a:ln>
-        </p:spPr>
-      </p:pic>
-      <p:sp>
-        <p:nvSpPr>
-          <p:cNvPr id="139" name="Google Shape;139;p16"/>
-          <p:cNvSpPr/>
-          <p:nvPr/>
-        </p:nvSpPr>
-        <p:spPr>
-          <a:xfrm>
-            <a:off x="0" y="5077717"/>
-            <a:ext cx="9144000" cy="57300"/>
-          </a:xfrm>
-          <a:prstGeom prst="rect">
-            <a:avLst/>
-          </a:prstGeom>
-          <a:solidFill>
-            <a:srgbClr val="F78321"/>
-          </a:solidFill>
-          <a:ln w="9525" cap="flat" cmpd="sng">
-            <a:solidFill>
-              <a:srgbClr val="F78321"/>
-            </a:solidFill>
-            <a:prstDash val="solid"/>
-            <a:round/>
-            <a:headEnd type="none" w="sm" len="sm"/>
-            <a:tailEnd type="none" w="sm" len="sm"/>
-          </a:ln>
-        </p:spPr>
-        <p:txBody>
-          <a:bodyPr spcFirstLastPara="1" wrap="square" lIns="91425" tIns="91425" rIns="91425" bIns="91425" anchor="ctr" anchorCtr="0">
-            <a:noAutofit/>
-          </a:bodyPr>
-          <a:lstStyle/>
-          <a:p>
-            <a:pPr marL="0" marR="0" lvl="0" indent="0" algn="l" rtl="0">
-              <a:lnSpc>
-                <a:spcPct val="100000"/>
-              </a:lnSpc>
-              <a:spcBef>
-                <a:spcPts val="0"/>
-              </a:spcBef>
-              <a:spcAft>
-                <a:spcPts val="0"/>
-              </a:spcAft>
-              <a:buClr>
-                <a:srgbClr val="000000"/>
-              </a:buClr>
-              <a:buSzPts val="1400"/>
-              <a:buFont typeface="Arial"/>
-              <a:buNone/>
-            </a:pPr>
-            <a:endParaRPr sz="1400" b="0" i="0" u="none" strike="noStrike" cap="none">
-              <a:solidFill>
-                <a:srgbClr val="000000"/>
-              </a:solidFill>
-              <a:latin typeface="Arial"/>
-              <a:ea typeface="Arial"/>
-              <a:cs typeface="Arial"/>
-              <a:sym typeface="Arial"/>
-            </a:endParaRPr>
-          </a:p>
-        </p:txBody>
-      </p:sp>
-      <p:pic>
-        <p:nvPicPr>
-          <p:cNvPr id="7" name="Imagem 6">
-            <a:extLst>
-              <a:ext uri="{FF2B5EF4-FFF2-40B4-BE49-F238E27FC236}">
-                <a16:creationId xmlns:a16="http://schemas.microsoft.com/office/drawing/2014/main" id="{88F62096-0BAB-4718-B201-9795C3D41980}"/>
-              </a:ext>
-            </a:extLst>
-          </p:cNvPr>
-          <p:cNvPicPr>
-            <a:picLocks noChangeAspect="1"/>
-          </p:cNvPicPr>
-          <p:nvPr/>
-        </p:nvPicPr>
-        <p:blipFill>
-          <a:blip r:embed="rId4"/>
-          <a:stretch>
-            <a:fillRect/>
-          </a:stretch>
-        </p:blipFill>
-        <p:spPr>
-          <a:xfrm>
-            <a:off x="2524125" y="850990"/>
-            <a:ext cx="4095750" cy="4095750"/>
-          </a:xfrm>
-          <a:prstGeom prst="rect">
-            <a:avLst/>
-          </a:prstGeom>
-        </p:spPr>
-      </p:pic>
-      <p:sp>
-        <p:nvSpPr>
-          <p:cNvPr id="13" name="CaixaDeTexto 12">
-            <a:extLst>
-              <a:ext uri="{FF2B5EF4-FFF2-40B4-BE49-F238E27FC236}">
-                <a16:creationId xmlns:a16="http://schemas.microsoft.com/office/drawing/2014/main" id="{2F99D019-8ADE-4540-921A-D228684B7C5F}"/>
-              </a:ext>
-            </a:extLst>
-          </p:cNvPr>
-          <p:cNvSpPr txBox="1"/>
-          <p:nvPr/>
-        </p:nvSpPr>
-        <p:spPr>
-          <a:xfrm>
-            <a:off x="4136225" y="4623487"/>
-            <a:ext cx="1121575" cy="276999"/>
-          </a:xfrm>
-          <a:prstGeom prst="rect">
-            <a:avLst/>
-          </a:prstGeom>
-          <a:noFill/>
-        </p:spPr>
-        <p:txBody>
-          <a:bodyPr wrap="square">
-            <a:spAutoFit/>
-          </a:bodyPr>
-          <a:lstStyle/>
-          <a:p>
-            <a:r>
-              <a:rPr lang="pt-BR" sz="1200" b="0" i="0" dirty="0">
-                <a:solidFill>
-                  <a:srgbClr val="002060"/>
-                </a:solidFill>
-                <a:effectLst/>
-                <a:latin typeface="Calibri" panose="020F0502020204030204" pitchFamily="34" charset="0"/>
-                <a:cs typeface="Calibri" panose="020F0502020204030204" pitchFamily="34" charset="0"/>
-              </a:rPr>
-              <a:t>Vecteezy.com</a:t>
-            </a:r>
-            <a:endParaRPr lang="pt-BR" sz="1200" dirty="0">
-              <a:solidFill>
-                <a:srgbClr val="002060"/>
-              </a:solidFill>
-              <a:latin typeface="Calibri" panose="020F0502020204030204" pitchFamily="34" charset="0"/>
-              <a:cs typeface="Calibri" panose="020F0502020204030204" pitchFamily="34" charset="0"/>
-            </a:endParaRPr>
-          </a:p>
-        </p:txBody>
-      </p:sp>
-    </p:spTree>
-    <p:extLst>
-      <p:ext uri="{BB962C8B-B14F-4D97-AF65-F5344CB8AC3E}">
-        <p14:creationId xmlns:p14="http://schemas.microsoft.com/office/powerpoint/2010/main" val="2778685637"/>
-      </p:ext>
-    </p:extLst>
-  </p:cSld>
-  <p:clrMapOvr>
-    <a:masterClrMapping/>
-  </p:clrMapOvr>
-  <mc:AlternateContent xmlns:mc="http://schemas.openxmlformats.org/markup-compatibility/2006" xmlns:p14="http://schemas.microsoft.com/office/powerpoint/2010/main">
-    <mc:Choice Requires="p14">
-      <p:transition spd="med" p14:dur="700">
-        <p:fade/>
-      </p:transition>
-    </mc:Choice>
-    <mc:Fallback xmlns="">
-      <p:transition spd="med">
-        <p:fade/>
-      </p:transition>
-    </mc:Fallback>
-  </mc:AlternateContent>
 </p:sld>
 </file>
 
